--- a/Documents/프로토타입1-1(김동현,박예은,문주혁,임윤경).pptx
+++ b/Documents/프로토타입1-1(김동현,박예은,문주혁,임윤경).pptx
@@ -50,13 +50,13 @@
   <p:notesSz cx="6858000" cy="9144000"/>
   <p:embeddedFontLst>
     <p:embeddedFont>
-      <p:font typeface="나눔스퀘어" panose="020B0600000101010101" pitchFamily="50" charset="-127"/>
+      <p:font typeface="맑은 고딕" panose="020B0503020000020004" pitchFamily="50" charset="-127"/>
       <p:regular r:id="rId38"/>
+      <p:bold r:id="rId39"/>
     </p:embeddedFont>
     <p:embeddedFont>
-      <p:font typeface="맑은 고딕" panose="020B0503020000020004" pitchFamily="50" charset="-127"/>
-      <p:regular r:id="rId39"/>
-      <p:bold r:id="rId40"/>
+      <p:font typeface="나눔스퀘어" panose="020B0600000101010101" pitchFamily="50" charset="-127"/>
+      <p:regular r:id="rId40"/>
     </p:embeddedFont>
     <p:embeddedFont>
       <p:font typeface="나눔스퀘어 Bold" panose="020B0600000101010101" pitchFamily="50" charset="-127"/>
@@ -274,7 +274,7 @@
           <a:p>
             <a:fld id="{9DCDD0D0-6DB3-4E8E-B9EC-36683B6E9E93}" type="datetimeFigureOut">
               <a:rPr lang="ko-KR" altLang="en-US" smtClean="0"/>
-              <a:t>2018-04-25</a:t>
+              <a:t>2018-05-22</a:t>
             </a:fld>
             <a:endParaRPr lang="ko-KR" altLang="en-US"/>
           </a:p>
@@ -451,7 +451,7 @@
           <a:p>
             <a:fld id="{8E14C5C4-B4F8-456B-967B-4F500A394581}" type="datetimeFigureOut">
               <a:rPr lang="ko-KR" altLang="en-US" smtClean="0"/>
-              <a:t>2018-04-25</a:t>
+              <a:t>2018-05-22</a:t>
             </a:fld>
             <a:endParaRPr lang="ko-KR" altLang="en-US"/>
           </a:p>
@@ -865,7 +865,7 @@
           <a:p>
             <a:fld id="{6289B6BF-4D3A-4CFB-B02B-9B26A3CDEFA5}" type="datetime1">
               <a:rPr lang="ko-KR" altLang="en-US" smtClean="0"/>
-              <a:t>2018-04-25</a:t>
+              <a:t>2018-05-22</a:t>
             </a:fld>
             <a:endParaRPr lang="ko-KR" altLang="en-US"/>
           </a:p>
@@ -1075,7 +1075,7 @@
           <a:p>
             <a:fld id="{F2C220BF-2455-4BD5-8040-B6CBD8E77877}" type="datetime1">
               <a:rPr lang="ko-KR" altLang="en-US" smtClean="0"/>
-              <a:t>2018-04-25</a:t>
+              <a:t>2018-05-22</a:t>
             </a:fld>
             <a:endParaRPr lang="ko-KR" altLang="en-US"/>
           </a:p>
@@ -1283,7 +1283,7 @@
           <a:p>
             <a:fld id="{09546255-23A8-4718-89E2-6DD6D2C8B125}" type="datetime1">
               <a:rPr lang="ko-KR" altLang="en-US" smtClean="0"/>
-              <a:t>2018-04-25</a:t>
+              <a:t>2018-05-22</a:t>
             </a:fld>
             <a:endParaRPr lang="ko-KR" altLang="en-US"/>
           </a:p>
@@ -1481,7 +1481,7 @@
           <a:p>
             <a:fld id="{B95DE36A-1415-4E84-A7DA-53D15CEFE629}" type="datetime1">
               <a:rPr lang="ko-KR" altLang="en-US" smtClean="0"/>
-              <a:t>2018-04-25</a:t>
+              <a:t>2018-05-22</a:t>
             </a:fld>
             <a:endParaRPr lang="ko-KR" altLang="en-US"/>
           </a:p>
@@ -1756,7 +1756,7 @@
           <a:p>
             <a:fld id="{528D4B62-003C-4C24-912B-90AFE3943C3D}" type="datetime1">
               <a:rPr lang="ko-KR" altLang="en-US" smtClean="0"/>
-              <a:t>2018-04-25</a:t>
+              <a:t>2018-05-22</a:t>
             </a:fld>
             <a:endParaRPr lang="ko-KR" altLang="en-US"/>
           </a:p>
@@ -2021,7 +2021,7 @@
           <a:p>
             <a:fld id="{375D89B9-6909-408B-850B-EC5BEFB8E89C}" type="datetime1">
               <a:rPr lang="ko-KR" altLang="en-US" smtClean="0"/>
-              <a:t>2018-04-25</a:t>
+              <a:t>2018-05-22</a:t>
             </a:fld>
             <a:endParaRPr lang="ko-KR" altLang="en-US"/>
           </a:p>
@@ -2433,7 +2433,7 @@
           <a:p>
             <a:fld id="{DDD5463D-42B3-4007-B9B4-2A2CAA1C0635}" type="datetime1">
               <a:rPr lang="ko-KR" altLang="en-US" smtClean="0"/>
-              <a:t>2018-04-25</a:t>
+              <a:t>2018-05-22</a:t>
             </a:fld>
             <a:endParaRPr lang="ko-KR" altLang="en-US"/>
           </a:p>
@@ -2566,7 +2566,7 @@
           <a:p>
             <a:fld id="{FD0D94EE-15E2-410A-883B-69C493EE8B0E}" type="datetime1">
               <a:rPr lang="ko-KR" altLang="en-US" smtClean="0"/>
-              <a:t>2018-04-25</a:t>
+              <a:t>2018-05-22</a:t>
             </a:fld>
             <a:endParaRPr lang="ko-KR" altLang="en-US"/>
           </a:p>
@@ -2679,7 +2679,7 @@
           <a:p>
             <a:fld id="{3CCE514F-864A-41CA-9AF6-2B92280E4ED4}" type="datetime1">
               <a:rPr lang="ko-KR" altLang="en-US" smtClean="0"/>
-              <a:t>2018-04-25</a:t>
+              <a:t>2018-05-22</a:t>
             </a:fld>
             <a:endParaRPr lang="ko-KR" altLang="en-US"/>
           </a:p>
@@ -2982,7 +2982,7 @@
           <a:p>
             <a:fld id="{66F449A3-62BE-4320-8191-910D802B498D}" type="datetime1">
               <a:rPr lang="ko-KR" altLang="en-US" smtClean="0"/>
-              <a:t>2018-04-25</a:t>
+              <a:t>2018-05-22</a:t>
             </a:fld>
             <a:endParaRPr lang="ko-KR" altLang="en-US"/>
           </a:p>
@@ -3270,7 +3270,7 @@
           <a:p>
             <a:fld id="{C5689A8A-FBE2-429B-963B-FB95910E94CD}" type="datetime1">
               <a:rPr lang="ko-KR" altLang="en-US" smtClean="0"/>
-              <a:t>2018-04-25</a:t>
+              <a:t>2018-05-22</a:t>
             </a:fld>
             <a:endParaRPr lang="ko-KR" altLang="en-US"/>
           </a:p>
@@ -3511,7 +3511,7 @@
           <a:p>
             <a:fld id="{AF28EA40-C8C5-44C6-994B-B33723083A3B}" type="datetime1">
               <a:rPr lang="ko-KR" altLang="en-US" smtClean="0"/>
-              <a:t>2018-04-25</a:t>
+              <a:t>2018-05-22</a:t>
             </a:fld>
             <a:endParaRPr lang="ko-KR" altLang="en-US"/>
           </a:p>
@@ -31119,7 +31119,7 @@
         </p:nvSpPr>
         <p:spPr>
           <a:xfrm>
-            <a:off x="1217720" y="1549535"/>
+            <a:off x="884996" y="1291549"/>
             <a:ext cx="5357672" cy="369332"/>
           </a:xfrm>
           <a:prstGeom prst="rect">
@@ -31181,7 +31181,7 @@
         </p:nvSpPr>
         <p:spPr>
           <a:xfrm>
-            <a:off x="3634339" y="2157645"/>
+            <a:off x="4692513" y="1233048"/>
             <a:ext cx="7465726" cy="646331"/>
           </a:xfrm>
           <a:prstGeom prst="rect">
@@ -31375,7 +31375,7 @@
         </p:blipFill>
         <p:spPr>
           <a:xfrm>
-            <a:off x="2777455" y="2175309"/>
+            <a:off x="3782363" y="1250712"/>
             <a:ext cx="485533" cy="467454"/>
           </a:xfrm>
           <a:prstGeom prst="rect">
@@ -31420,7 +31420,7 @@
         </p:blipFill>
         <p:spPr>
           <a:xfrm>
-            <a:off x="2650155" y="2210791"/>
+            <a:off x="3628429" y="1286194"/>
             <a:ext cx="1076666" cy="688414"/>
           </a:xfrm>
           <a:prstGeom prst="rect">
@@ -31442,7 +31442,7 @@
         </p:nvGrpSpPr>
         <p:grpSpPr>
           <a:xfrm>
-            <a:off x="2703424" y="3350930"/>
+            <a:off x="3761598" y="2426333"/>
             <a:ext cx="770522" cy="770522"/>
             <a:chOff x="1564306" y="3191130"/>
             <a:chExt cx="770522" cy="770522"/>
@@ -31541,7 +31541,7 @@
         </p:nvSpPr>
         <p:spPr>
           <a:xfrm>
-            <a:off x="3634339" y="3448606"/>
+            <a:off x="4692513" y="2524009"/>
             <a:ext cx="7465726" cy="646331"/>
           </a:xfrm>
           <a:prstGeom prst="rect">
@@ -31665,7 +31665,7 @@
         </p:blipFill>
         <p:spPr>
           <a:xfrm>
-            <a:off x="2826535" y="4772258"/>
+            <a:off x="3884709" y="3714497"/>
             <a:ext cx="536207" cy="536207"/>
           </a:xfrm>
           <a:prstGeom prst="rect">
@@ -31687,7 +31687,7 @@
         </p:nvSpPr>
         <p:spPr>
           <a:xfrm>
-            <a:off x="3668100" y="4739567"/>
+            <a:off x="4726274" y="3681806"/>
             <a:ext cx="7465726" cy="646331"/>
           </a:xfrm>
           <a:prstGeom prst="rect">
@@ -31825,6 +31825,164 @@
           </a:p>
         </p:txBody>
       </p:sp>
+      <p:sp>
+        <p:nvSpPr>
+          <p:cNvPr id="20" name="TextBox 19">
+            <a:extLst>
+              <a:ext uri="{FF2B5EF4-FFF2-40B4-BE49-F238E27FC236}">
+                <a16:creationId xmlns:a16="http://schemas.microsoft.com/office/drawing/2014/main" id="{D9DA1D69-B71C-4595-A8FC-B87009035B9D}"/>
+              </a:ext>
+            </a:extLst>
+          </p:cNvPr>
+          <p:cNvSpPr txBox="1"/>
+          <p:nvPr/>
+        </p:nvSpPr>
+        <p:spPr>
+          <a:xfrm>
+            <a:off x="4801548" y="4911166"/>
+            <a:ext cx="7465726" cy="646331"/>
+          </a:xfrm>
+          <a:prstGeom prst="rect">
+            <a:avLst/>
+          </a:prstGeom>
+          <a:noFill/>
+        </p:spPr>
+        <p:txBody>
+          <a:bodyPr wrap="square" rtlCol="0">
+            <a:spAutoFit/>
+          </a:bodyPr>
+          <a:lstStyle/>
+          <a:p>
+            <a:pPr marL="285750" indent="-285750">
+              <a:buFont typeface="Wingdings" panose="05000000000000000000" pitchFamily="2" charset="2"/>
+              <a:buChar char="§"/>
+            </a:pPr>
+            <a:r>
+              <a:rPr lang="ko-KR" altLang="en-US" dirty="0">
+                <a:solidFill>
+                  <a:srgbClr val="E74C3C"/>
+                </a:solidFill>
+                <a:latin typeface="나눔스퀘어 Bold" panose="020B0600000101010101" pitchFamily="50" charset="-127"/>
+                <a:ea typeface="나눔스퀘어 Bold" panose="020B0600000101010101" pitchFamily="50" charset="-127"/>
+              </a:rPr>
+              <a:t>기상청 정보 알림 기능</a:t>
+            </a:r>
+            <a:endParaRPr lang="en-US" altLang="ko-KR" dirty="0">
+              <a:solidFill>
+                <a:srgbClr val="E74C3C"/>
+              </a:solidFill>
+              <a:latin typeface="나눔스퀘어 Bold" panose="020B0600000101010101" pitchFamily="50" charset="-127"/>
+              <a:ea typeface="나눔스퀘어 Bold" panose="020B0600000101010101" pitchFamily="50" charset="-127"/>
+            </a:endParaRPr>
+          </a:p>
+          <a:p>
+            <a:r>
+              <a:rPr lang="ko-KR" altLang="en-US" dirty="0">
+                <a:solidFill>
+                  <a:schemeClr val="bg2">
+                    <a:lumMod val="75000"/>
+                  </a:schemeClr>
+                </a:solidFill>
+                <a:latin typeface="나눔스퀘어 Bold" panose="020B0600000101010101" pitchFamily="50" charset="-127"/>
+                <a:ea typeface="나눔스퀘어 Bold" panose="020B0600000101010101" pitchFamily="50" charset="-127"/>
+              </a:rPr>
+              <a:t>     </a:t>
+            </a:r>
+            <a:r>
+              <a:rPr lang="ko-KR" altLang="en-US" dirty="0">
+                <a:solidFill>
+                  <a:schemeClr val="tx1">
+                    <a:lumMod val="50000"/>
+                    <a:lumOff val="50000"/>
+                  </a:schemeClr>
+                </a:solidFill>
+                <a:latin typeface="나눔스퀘어 Bold" panose="020B0600000101010101" pitchFamily="50" charset="-127"/>
+                <a:ea typeface="나눔스퀘어 Bold" panose="020B0600000101010101" pitchFamily="50" charset="-127"/>
+              </a:rPr>
+              <a:t>기상청 </a:t>
+            </a:r>
+            <a:r>
+              <a:rPr lang="en-US" altLang="ko-KR" dirty="0">
+                <a:solidFill>
+                  <a:schemeClr val="tx1">
+                    <a:lumMod val="50000"/>
+                    <a:lumOff val="50000"/>
+                  </a:schemeClr>
+                </a:solidFill>
+                <a:latin typeface="나눔스퀘어 Bold" panose="020B0600000101010101" pitchFamily="50" charset="-127"/>
+                <a:ea typeface="나눔스퀘어 Bold" panose="020B0600000101010101" pitchFamily="50" charset="-127"/>
+              </a:rPr>
+              <a:t>API</a:t>
+            </a:r>
+            <a:r>
+              <a:rPr lang="ko-KR" altLang="en-US" dirty="0">
+                <a:solidFill>
+                  <a:schemeClr val="tx1">
+                    <a:lumMod val="50000"/>
+                    <a:lumOff val="50000"/>
+                  </a:schemeClr>
+                </a:solidFill>
+                <a:latin typeface="나눔스퀘어 Bold" panose="020B0600000101010101" pitchFamily="50" charset="-127"/>
+                <a:ea typeface="나눔스퀘어 Bold" panose="020B0600000101010101" pitchFamily="50" charset="-127"/>
+              </a:rPr>
+              <a:t>를 이용한 날씨 정보 알림</a:t>
+            </a:r>
+            <a:endParaRPr lang="en-US" altLang="ko-KR" dirty="0">
+              <a:solidFill>
+                <a:schemeClr val="tx1">
+                  <a:lumMod val="50000"/>
+                  <a:lumOff val="50000"/>
+                </a:schemeClr>
+              </a:solidFill>
+              <a:latin typeface="나눔스퀘어 Bold" panose="020B0600000101010101" pitchFamily="50" charset="-127"/>
+              <a:ea typeface="나눔스퀘어 Bold" panose="020B0600000101010101" pitchFamily="50" charset="-127"/>
+            </a:endParaRPr>
+          </a:p>
+        </p:txBody>
+      </p:sp>
+      <p:pic>
+        <p:nvPicPr>
+          <p:cNvPr id="21" name="그림 20">
+            <a:extLst>
+              <a:ext uri="{FF2B5EF4-FFF2-40B4-BE49-F238E27FC236}">
+                <a16:creationId xmlns:a16="http://schemas.microsoft.com/office/drawing/2014/main" id="{805492D2-3F71-49B4-9839-0B5CBF9660DA}"/>
+              </a:ext>
+            </a:extLst>
+          </p:cNvPr>
+          <p:cNvPicPr>
+            <a:picLocks noChangeAspect="1"/>
+          </p:cNvPicPr>
+          <p:nvPr/>
+        </p:nvPicPr>
+        <p:blipFill>
+          <a:blip r:embed="rId12">
+            <a:duotone>
+              <a:schemeClr val="accent3">
+                <a:shade val="45000"/>
+                <a:satMod val="135000"/>
+              </a:schemeClr>
+              <a:prstClr val="white"/>
+            </a:duotone>
+            <a:extLst>
+              <a:ext uri="{28A0092B-C50C-407E-A947-70E740481C1C}">
+                <a14:useLocalDpi xmlns:a14="http://schemas.microsoft.com/office/drawing/2010/main" val="0"/>
+              </a:ext>
+            </a:extLst>
+          </a:blip>
+          <a:stretch>
+            <a:fillRect/>
+          </a:stretch>
+        </p:blipFill>
+        <p:spPr>
+          <a:xfrm>
+            <a:off x="3835629" y="4834021"/>
+            <a:ext cx="770522" cy="770522"/>
+          </a:xfrm>
+          <a:prstGeom prst="rect">
+            <a:avLst/>
+          </a:prstGeom>
+        </p:spPr>
+      </p:pic>
     </p:spTree>
     <p:extLst>
       <p:ext uri="{BB962C8B-B14F-4D97-AF65-F5344CB8AC3E}">
@@ -43393,7 +43551,7 @@
           <a:graphicData uri="http://schemas.openxmlformats.org/presentationml/2006/ole">
             <mc:AlternateContent xmlns:mc="http://schemas.openxmlformats.org/markup-compatibility/2006">
               <mc:Choice xmlns:v="urn:schemas-microsoft-com:vml" Requires="v">
-                <p:oleObj spid="_x0000_s1100" name="Image" r:id="rId5" imgW="2844360" imgH="1764720" progId="Photoshop.Image.12">
+                <p:oleObj spid="_x0000_s1102" name="Image" r:id="rId5" imgW="2844360" imgH="1764720" progId="Photoshop.Image.12">
                   <p:embed/>
                 </p:oleObj>
               </mc:Choice>

--- a/Documents/프로토타입1-1(김동현,박예은,문주혁,임윤경).pptx
+++ b/Documents/프로토타입1-1(김동현,박예은,문주혁,임윤경).pptx
@@ -50,13 +50,13 @@
   <p:notesSz cx="6858000" cy="9144000"/>
   <p:embeddedFontLst>
     <p:embeddedFont>
-      <p:font typeface="맑은 고딕" panose="020B0503020000020004" pitchFamily="50" charset="-127"/>
+      <p:font typeface="나눔스퀘어" panose="020B0600000101010101" pitchFamily="50" charset="-127"/>
       <p:regular r:id="rId38"/>
-      <p:bold r:id="rId39"/>
     </p:embeddedFont>
     <p:embeddedFont>
-      <p:font typeface="나눔스퀘어" panose="020B0600000101010101" pitchFamily="50" charset="-127"/>
-      <p:regular r:id="rId40"/>
+      <p:font typeface="맑은 고딕" panose="020B0503020000020004" pitchFamily="50" charset="-127"/>
+      <p:regular r:id="rId39"/>
+      <p:bold r:id="rId40"/>
     </p:embeddedFont>
     <p:embeddedFont>
       <p:font typeface="나눔스퀘어 Bold" panose="020B0600000101010101" pitchFamily="50" charset="-127"/>
@@ -32382,10 +32382,10 @@
       </p:sp>
       <p:sp>
         <p:nvSpPr>
-          <p:cNvPr id="15" name="TextBox 14">
-            <a:extLst>
-              <a:ext uri="{FF2B5EF4-FFF2-40B4-BE49-F238E27FC236}">
-                <a16:creationId xmlns:a16="http://schemas.microsoft.com/office/drawing/2014/main" id="{B9441F20-CB06-40D1-BA62-82D7EDA4456D}"/>
+          <p:cNvPr id="25" name="TextBox 24">
+            <a:extLst>
+              <a:ext uri="{FF2B5EF4-FFF2-40B4-BE49-F238E27FC236}">
+                <a16:creationId xmlns:a16="http://schemas.microsoft.com/office/drawing/2014/main" id="{23C0DD69-1A71-4122-A15E-3AAD791A7A5A}"/>
               </a:ext>
             </a:extLst>
           </p:cNvPr>
@@ -32394,7 +32394,7 @@
         </p:nvSpPr>
         <p:spPr>
           <a:xfrm>
-            <a:off x="3634339" y="2710095"/>
+            <a:off x="3865158" y="2846959"/>
             <a:ext cx="7465726" cy="646331"/>
           </a:xfrm>
           <a:prstGeom prst="rect">
@@ -32420,7 +32420,7 @@
                 <a:latin typeface="나눔스퀘어 Bold" panose="020B0600000101010101" pitchFamily="50" charset="-127"/>
                 <a:ea typeface="나눔스퀘어 Bold" panose="020B0600000101010101" pitchFamily="50" charset="-127"/>
               </a:rPr>
-              <a:t>기상청 정보 알림 기능</a:t>
+              <a:t>택배 배송 알림 기능</a:t>
             </a:r>
             <a:endParaRPr lang="en-US" altLang="ko-KR" dirty="0">
               <a:solidFill>
@@ -32434,14 +32434,28 @@
             <a:r>
               <a:rPr lang="ko-KR" altLang="en-US" dirty="0">
                 <a:solidFill>
-                  <a:schemeClr val="bg2">
-                    <a:lumMod val="75000"/>
+                  <a:schemeClr val="tx1">
+                    <a:lumMod val="50000"/>
+                    <a:lumOff val="50000"/>
                   </a:schemeClr>
                 </a:solidFill>
                 <a:latin typeface="나눔스퀘어 Bold" panose="020B0600000101010101" pitchFamily="50" charset="-127"/>
                 <a:ea typeface="나눔스퀘어 Bold" panose="020B0600000101010101" pitchFamily="50" charset="-127"/>
               </a:rPr>
-              <a:t>     </a:t>
+              <a:t>     사용자 정보와 택배 </a:t>
+            </a:r>
+            <a:r>
+              <a:rPr lang="en-US" altLang="ko-KR" dirty="0">
+                <a:solidFill>
+                  <a:schemeClr val="tx1">
+                    <a:lumMod val="50000"/>
+                    <a:lumOff val="50000"/>
+                  </a:schemeClr>
+                </a:solidFill>
+                <a:latin typeface="나눔스퀘어 Bold" panose="020B0600000101010101" pitchFamily="50" charset="-127"/>
+                <a:ea typeface="나눔스퀘어 Bold" panose="020B0600000101010101" pitchFamily="50" charset="-127"/>
+              </a:rPr>
+              <a:t>API</a:t>
             </a:r>
             <a:r>
               <a:rPr lang="ko-KR" altLang="en-US" dirty="0">
@@ -32454,33 +32468,7 @@
                 <a:latin typeface="나눔스퀘어 Bold" panose="020B0600000101010101" pitchFamily="50" charset="-127"/>
                 <a:ea typeface="나눔스퀘어 Bold" panose="020B0600000101010101" pitchFamily="50" charset="-127"/>
               </a:rPr>
-              <a:t>기상청 </a:t>
-            </a:r>
-            <a:r>
-              <a:rPr lang="en-US" altLang="ko-KR" dirty="0">
-                <a:solidFill>
-                  <a:schemeClr val="tx1">
-                    <a:lumMod val="50000"/>
-                    <a:lumOff val="50000"/>
-                  </a:schemeClr>
-                </a:solidFill>
-                <a:latin typeface="나눔스퀘어 Bold" panose="020B0600000101010101" pitchFamily="50" charset="-127"/>
-                <a:ea typeface="나눔스퀘어 Bold" panose="020B0600000101010101" pitchFamily="50" charset="-127"/>
-              </a:rPr>
-              <a:t>API</a:t>
-            </a:r>
-            <a:r>
-              <a:rPr lang="ko-KR" altLang="en-US" dirty="0">
-                <a:solidFill>
-                  <a:schemeClr val="tx1">
-                    <a:lumMod val="50000"/>
-                    <a:lumOff val="50000"/>
-                  </a:schemeClr>
-                </a:solidFill>
-                <a:latin typeface="나눔스퀘어 Bold" panose="020B0600000101010101" pitchFamily="50" charset="-127"/>
-                <a:ea typeface="나눔스퀘어 Bold" panose="020B0600000101010101" pitchFamily="50" charset="-127"/>
-              </a:rPr>
-              <a:t>를 이용한 날씨 정보 알림</a:t>
+              <a:t>를 이용한 배송 정보 알림</a:t>
             </a:r>
             <a:endParaRPr lang="en-US" altLang="ko-KR" dirty="0">
               <a:solidFill>
@@ -32495,115 +32483,12 @@
           </a:p>
         </p:txBody>
       </p:sp>
-      <p:sp>
-        <p:nvSpPr>
-          <p:cNvPr id="25" name="TextBox 24">
-            <a:extLst>
-              <a:ext uri="{FF2B5EF4-FFF2-40B4-BE49-F238E27FC236}">
-                <a16:creationId xmlns:a16="http://schemas.microsoft.com/office/drawing/2014/main" id="{23C0DD69-1A71-4122-A15E-3AAD791A7A5A}"/>
-              </a:ext>
-            </a:extLst>
-          </p:cNvPr>
-          <p:cNvSpPr txBox="1"/>
-          <p:nvPr/>
-        </p:nvSpPr>
-        <p:spPr>
-          <a:xfrm>
-            <a:off x="3634339" y="4001056"/>
-            <a:ext cx="7465726" cy="646331"/>
-          </a:xfrm>
-          <a:prstGeom prst="rect">
-            <a:avLst/>
-          </a:prstGeom>
-          <a:noFill/>
-        </p:spPr>
-        <p:txBody>
-          <a:bodyPr wrap="square" rtlCol="0">
-            <a:spAutoFit/>
-          </a:bodyPr>
-          <a:lstStyle/>
-          <a:p>
-            <a:pPr marL="285750" indent="-285750">
-              <a:buFont typeface="Wingdings" panose="05000000000000000000" pitchFamily="2" charset="2"/>
-              <a:buChar char="§"/>
-            </a:pPr>
-            <a:r>
-              <a:rPr lang="ko-KR" altLang="en-US" dirty="0">
-                <a:solidFill>
-                  <a:srgbClr val="E74C3C"/>
-                </a:solidFill>
-                <a:latin typeface="나눔스퀘어 Bold" panose="020B0600000101010101" pitchFamily="50" charset="-127"/>
-                <a:ea typeface="나눔스퀘어 Bold" panose="020B0600000101010101" pitchFamily="50" charset="-127"/>
-              </a:rPr>
-              <a:t>택배 배송 알림 기능</a:t>
-            </a:r>
-            <a:endParaRPr lang="en-US" altLang="ko-KR" dirty="0">
-              <a:solidFill>
-                <a:srgbClr val="E74C3C"/>
-              </a:solidFill>
-              <a:latin typeface="나눔스퀘어 Bold" panose="020B0600000101010101" pitchFamily="50" charset="-127"/>
-              <a:ea typeface="나눔스퀘어 Bold" panose="020B0600000101010101" pitchFamily="50" charset="-127"/>
-            </a:endParaRPr>
-          </a:p>
-          <a:p>
-            <a:r>
-              <a:rPr lang="ko-KR" altLang="en-US" dirty="0">
-                <a:solidFill>
-                  <a:schemeClr val="tx1">
-                    <a:lumMod val="50000"/>
-                    <a:lumOff val="50000"/>
-                  </a:schemeClr>
-                </a:solidFill>
-                <a:latin typeface="나눔스퀘어 Bold" panose="020B0600000101010101" pitchFamily="50" charset="-127"/>
-                <a:ea typeface="나눔스퀘어 Bold" panose="020B0600000101010101" pitchFamily="50" charset="-127"/>
-              </a:rPr>
-              <a:t>     사용자 정보와 택배 </a:t>
-            </a:r>
-            <a:r>
-              <a:rPr lang="en-US" altLang="ko-KR" dirty="0">
-                <a:solidFill>
-                  <a:schemeClr val="tx1">
-                    <a:lumMod val="50000"/>
-                    <a:lumOff val="50000"/>
-                  </a:schemeClr>
-                </a:solidFill>
-                <a:latin typeface="나눔스퀘어 Bold" panose="020B0600000101010101" pitchFamily="50" charset="-127"/>
-                <a:ea typeface="나눔스퀘어 Bold" panose="020B0600000101010101" pitchFamily="50" charset="-127"/>
-              </a:rPr>
-              <a:t>API</a:t>
-            </a:r>
-            <a:r>
-              <a:rPr lang="ko-KR" altLang="en-US" dirty="0">
-                <a:solidFill>
-                  <a:schemeClr val="tx1">
-                    <a:lumMod val="50000"/>
-                    <a:lumOff val="50000"/>
-                  </a:schemeClr>
-                </a:solidFill>
-                <a:latin typeface="나눔스퀘어 Bold" panose="020B0600000101010101" pitchFamily="50" charset="-127"/>
-                <a:ea typeface="나눔스퀘어 Bold" panose="020B0600000101010101" pitchFamily="50" charset="-127"/>
-              </a:rPr>
-              <a:t>를 이용한 배송 정보 알림</a:t>
-            </a:r>
-            <a:endParaRPr lang="en-US" altLang="ko-KR" dirty="0">
-              <a:solidFill>
-                <a:schemeClr val="tx1">
-                  <a:lumMod val="50000"/>
-                  <a:lumOff val="50000"/>
-                </a:schemeClr>
-              </a:solidFill>
-              <a:latin typeface="나눔스퀘어 Bold" panose="020B0600000101010101" pitchFamily="50" charset="-127"/>
-              <a:ea typeface="나눔스퀘어 Bold" panose="020B0600000101010101" pitchFamily="50" charset="-127"/>
-            </a:endParaRPr>
-          </a:p>
-        </p:txBody>
-      </p:sp>
       <p:pic>
         <p:nvPicPr>
-          <p:cNvPr id="5" name="그림 4">
-            <a:extLst>
-              <a:ext uri="{FF2B5EF4-FFF2-40B4-BE49-F238E27FC236}">
-                <a16:creationId xmlns:a16="http://schemas.microsoft.com/office/drawing/2014/main" id="{53BE2822-DD5C-4E99-9B5A-39C7DBFE20AF}"/>
+          <p:cNvPr id="8" name="그림 7">
+            <a:extLst>
+              <a:ext uri="{FF2B5EF4-FFF2-40B4-BE49-F238E27FC236}">
+                <a16:creationId xmlns:a16="http://schemas.microsoft.com/office/drawing/2014/main" id="{0BF57BB1-3B3D-4685-9D01-F9CFC1FD5B32}"/>
               </a:ext>
             </a:extLst>
           </p:cNvPr>
@@ -32633,50 +32518,7 @@
         </p:blipFill>
         <p:spPr>
           <a:xfrm>
-            <a:off x="2668420" y="2632950"/>
-            <a:ext cx="770522" cy="770522"/>
-          </a:xfrm>
-          <a:prstGeom prst="rect">
-            <a:avLst/>
-          </a:prstGeom>
-        </p:spPr>
-      </p:pic>
-      <p:pic>
-        <p:nvPicPr>
-          <p:cNvPr id="8" name="그림 7">
-            <a:extLst>
-              <a:ext uri="{FF2B5EF4-FFF2-40B4-BE49-F238E27FC236}">
-                <a16:creationId xmlns:a16="http://schemas.microsoft.com/office/drawing/2014/main" id="{0BF57BB1-3B3D-4685-9D01-F9CFC1FD5B32}"/>
-              </a:ext>
-            </a:extLst>
-          </p:cNvPr>
-          <p:cNvPicPr>
-            <a:picLocks noChangeAspect="1"/>
-          </p:cNvPicPr>
-          <p:nvPr/>
-        </p:nvPicPr>
-        <p:blipFill>
-          <a:blip r:embed="rId4">
-            <a:duotone>
-              <a:schemeClr val="accent3">
-                <a:shade val="45000"/>
-                <a:satMod val="135000"/>
-              </a:schemeClr>
-              <a:prstClr val="white"/>
-            </a:duotone>
-            <a:extLst>
-              <a:ext uri="{28A0092B-C50C-407E-A947-70E740481C1C}">
-                <a14:useLocalDpi xmlns:a14="http://schemas.microsoft.com/office/drawing/2010/main" val="0"/>
-              </a:ext>
-            </a:extLst>
-          </a:blip>
-          <a:stretch>
-            <a:fillRect/>
-          </a:stretch>
-        </p:blipFill>
-        <p:spPr>
-          <a:xfrm>
-            <a:off x="1874488" y="3642249"/>
+            <a:off x="2105307" y="2488152"/>
             <a:ext cx="2097211" cy="1310757"/>
           </a:xfrm>
           <a:prstGeom prst="rect">
@@ -43551,7 +43393,7 @@
           <a:graphicData uri="http://schemas.openxmlformats.org/presentationml/2006/ole">
             <mc:AlternateContent xmlns:mc="http://schemas.openxmlformats.org/markup-compatibility/2006">
               <mc:Choice xmlns:v="urn:schemas-microsoft-com:vml" Requires="v">
-                <p:oleObj spid="_x0000_s1102" name="Image" r:id="rId5" imgW="2844360" imgH="1764720" progId="Photoshop.Image.12">
+                <p:oleObj spid="_x0000_s1103" name="Image" r:id="rId5" imgW="2844360" imgH="1764720" progId="Photoshop.Image.12">
                   <p:embed/>
                 </p:oleObj>
               </mc:Choice>

--- a/Documents/프로토타입1-1(김동현,박예은,문주혁,임윤경).pptx
+++ b/Documents/프로토타입1-1(김동현,박예은,문주혁,임윤경).pptx
@@ -50,13 +50,13 @@
   <p:notesSz cx="6858000" cy="9144000"/>
   <p:embeddedFontLst>
     <p:embeddedFont>
-      <p:font typeface="맑은 고딕" panose="020B0503020000020004" pitchFamily="50" charset="-127"/>
+      <p:font typeface="나눔스퀘어" panose="020B0600000101010101" pitchFamily="50" charset="-127"/>
       <p:regular r:id="rId38"/>
-      <p:bold r:id="rId39"/>
     </p:embeddedFont>
     <p:embeddedFont>
-      <p:font typeface="나눔스퀘어" panose="020B0600000101010101" pitchFamily="50" charset="-127"/>
-      <p:regular r:id="rId40"/>
+      <p:font typeface="맑은 고딕" panose="020B0503020000020004" pitchFamily="50" charset="-127"/>
+      <p:regular r:id="rId39"/>
+      <p:bold r:id="rId40"/>
     </p:embeddedFont>
     <p:embeddedFont>
       <p:font typeface="나눔스퀘어 Bold" panose="020B0600000101010101" pitchFamily="50" charset="-127"/>
@@ -32382,10 +32382,10 @@
       </p:sp>
       <p:sp>
         <p:nvSpPr>
-          <p:cNvPr id="15" name="TextBox 14">
-            <a:extLst>
-              <a:ext uri="{FF2B5EF4-FFF2-40B4-BE49-F238E27FC236}">
-                <a16:creationId xmlns:a16="http://schemas.microsoft.com/office/drawing/2014/main" id="{B9441F20-CB06-40D1-BA62-82D7EDA4456D}"/>
+          <p:cNvPr id="25" name="TextBox 24">
+            <a:extLst>
+              <a:ext uri="{FF2B5EF4-FFF2-40B4-BE49-F238E27FC236}">
+                <a16:creationId xmlns:a16="http://schemas.microsoft.com/office/drawing/2014/main" id="{23C0DD69-1A71-4122-A15E-3AAD791A7A5A}"/>
               </a:ext>
             </a:extLst>
           </p:cNvPr>
@@ -32394,7 +32394,7 @@
         </p:nvSpPr>
         <p:spPr>
           <a:xfrm>
-            <a:off x="3634339" y="2710095"/>
+            <a:off x="3660972" y="3299667"/>
             <a:ext cx="7465726" cy="646331"/>
           </a:xfrm>
           <a:prstGeom prst="rect">
@@ -32420,7 +32420,7 @@
                 <a:latin typeface="나눔스퀘어 Bold" panose="020B0600000101010101" pitchFamily="50" charset="-127"/>
                 <a:ea typeface="나눔스퀘어 Bold" panose="020B0600000101010101" pitchFamily="50" charset="-127"/>
               </a:rPr>
-              <a:t>기상청 정보 알림 기능</a:t>
+              <a:t>택배 배송 알림 기능</a:t>
             </a:r>
             <a:endParaRPr lang="en-US" altLang="ko-KR" dirty="0">
               <a:solidFill>
@@ -32434,14 +32434,28 @@
             <a:r>
               <a:rPr lang="ko-KR" altLang="en-US" dirty="0">
                 <a:solidFill>
-                  <a:schemeClr val="bg2">
-                    <a:lumMod val="75000"/>
+                  <a:schemeClr val="tx1">
+                    <a:lumMod val="50000"/>
+                    <a:lumOff val="50000"/>
                   </a:schemeClr>
                 </a:solidFill>
                 <a:latin typeface="나눔스퀘어 Bold" panose="020B0600000101010101" pitchFamily="50" charset="-127"/>
                 <a:ea typeface="나눔스퀘어 Bold" panose="020B0600000101010101" pitchFamily="50" charset="-127"/>
               </a:rPr>
-              <a:t>     </a:t>
+              <a:t>     사용자 정보와 택배 </a:t>
+            </a:r>
+            <a:r>
+              <a:rPr lang="en-US" altLang="ko-KR" dirty="0">
+                <a:solidFill>
+                  <a:schemeClr val="tx1">
+                    <a:lumMod val="50000"/>
+                    <a:lumOff val="50000"/>
+                  </a:schemeClr>
+                </a:solidFill>
+                <a:latin typeface="나눔스퀘어 Bold" panose="020B0600000101010101" pitchFamily="50" charset="-127"/>
+                <a:ea typeface="나눔스퀘어 Bold" panose="020B0600000101010101" pitchFamily="50" charset="-127"/>
+              </a:rPr>
+              <a:t>API</a:t>
             </a:r>
             <a:r>
               <a:rPr lang="ko-KR" altLang="en-US" dirty="0">
@@ -32454,33 +32468,7 @@
                 <a:latin typeface="나눔스퀘어 Bold" panose="020B0600000101010101" pitchFamily="50" charset="-127"/>
                 <a:ea typeface="나눔스퀘어 Bold" panose="020B0600000101010101" pitchFamily="50" charset="-127"/>
               </a:rPr>
-              <a:t>기상청 </a:t>
-            </a:r>
-            <a:r>
-              <a:rPr lang="en-US" altLang="ko-KR" dirty="0">
-                <a:solidFill>
-                  <a:schemeClr val="tx1">
-                    <a:lumMod val="50000"/>
-                    <a:lumOff val="50000"/>
-                  </a:schemeClr>
-                </a:solidFill>
-                <a:latin typeface="나눔스퀘어 Bold" panose="020B0600000101010101" pitchFamily="50" charset="-127"/>
-                <a:ea typeface="나눔스퀘어 Bold" panose="020B0600000101010101" pitchFamily="50" charset="-127"/>
-              </a:rPr>
-              <a:t>API</a:t>
-            </a:r>
-            <a:r>
-              <a:rPr lang="ko-KR" altLang="en-US" dirty="0">
-                <a:solidFill>
-                  <a:schemeClr val="tx1">
-                    <a:lumMod val="50000"/>
-                    <a:lumOff val="50000"/>
-                  </a:schemeClr>
-                </a:solidFill>
-                <a:latin typeface="나눔스퀘어 Bold" panose="020B0600000101010101" pitchFamily="50" charset="-127"/>
-                <a:ea typeface="나눔스퀘어 Bold" panose="020B0600000101010101" pitchFamily="50" charset="-127"/>
-              </a:rPr>
-              <a:t>를 이용한 날씨 정보 알림</a:t>
+              <a:t>를 이용한 배송 정보 알림</a:t>
             </a:r>
             <a:endParaRPr lang="en-US" altLang="ko-KR" dirty="0">
               <a:solidFill>
@@ -32495,115 +32483,12 @@
           </a:p>
         </p:txBody>
       </p:sp>
-      <p:sp>
-        <p:nvSpPr>
-          <p:cNvPr id="25" name="TextBox 24">
-            <a:extLst>
-              <a:ext uri="{FF2B5EF4-FFF2-40B4-BE49-F238E27FC236}">
-                <a16:creationId xmlns:a16="http://schemas.microsoft.com/office/drawing/2014/main" id="{23C0DD69-1A71-4122-A15E-3AAD791A7A5A}"/>
-              </a:ext>
-            </a:extLst>
-          </p:cNvPr>
-          <p:cNvSpPr txBox="1"/>
-          <p:nvPr/>
-        </p:nvSpPr>
-        <p:spPr>
-          <a:xfrm>
-            <a:off x="3634339" y="4001056"/>
-            <a:ext cx="7465726" cy="646331"/>
-          </a:xfrm>
-          <a:prstGeom prst="rect">
-            <a:avLst/>
-          </a:prstGeom>
-          <a:noFill/>
-        </p:spPr>
-        <p:txBody>
-          <a:bodyPr wrap="square" rtlCol="0">
-            <a:spAutoFit/>
-          </a:bodyPr>
-          <a:lstStyle/>
-          <a:p>
-            <a:pPr marL="285750" indent="-285750">
-              <a:buFont typeface="Wingdings" panose="05000000000000000000" pitchFamily="2" charset="2"/>
-              <a:buChar char="§"/>
-            </a:pPr>
-            <a:r>
-              <a:rPr lang="ko-KR" altLang="en-US" dirty="0">
-                <a:solidFill>
-                  <a:srgbClr val="E74C3C"/>
-                </a:solidFill>
-                <a:latin typeface="나눔스퀘어 Bold" panose="020B0600000101010101" pitchFamily="50" charset="-127"/>
-                <a:ea typeface="나눔스퀘어 Bold" panose="020B0600000101010101" pitchFamily="50" charset="-127"/>
-              </a:rPr>
-              <a:t>택배 배송 알림 기능</a:t>
-            </a:r>
-            <a:endParaRPr lang="en-US" altLang="ko-KR" dirty="0">
-              <a:solidFill>
-                <a:srgbClr val="E74C3C"/>
-              </a:solidFill>
-              <a:latin typeface="나눔스퀘어 Bold" panose="020B0600000101010101" pitchFamily="50" charset="-127"/>
-              <a:ea typeface="나눔스퀘어 Bold" panose="020B0600000101010101" pitchFamily="50" charset="-127"/>
-            </a:endParaRPr>
-          </a:p>
-          <a:p>
-            <a:r>
-              <a:rPr lang="ko-KR" altLang="en-US" dirty="0">
-                <a:solidFill>
-                  <a:schemeClr val="tx1">
-                    <a:lumMod val="50000"/>
-                    <a:lumOff val="50000"/>
-                  </a:schemeClr>
-                </a:solidFill>
-                <a:latin typeface="나눔스퀘어 Bold" panose="020B0600000101010101" pitchFamily="50" charset="-127"/>
-                <a:ea typeface="나눔스퀘어 Bold" panose="020B0600000101010101" pitchFamily="50" charset="-127"/>
-              </a:rPr>
-              <a:t>     사용자 정보와 택배 </a:t>
-            </a:r>
-            <a:r>
-              <a:rPr lang="en-US" altLang="ko-KR" dirty="0">
-                <a:solidFill>
-                  <a:schemeClr val="tx1">
-                    <a:lumMod val="50000"/>
-                    <a:lumOff val="50000"/>
-                  </a:schemeClr>
-                </a:solidFill>
-                <a:latin typeface="나눔스퀘어 Bold" panose="020B0600000101010101" pitchFamily="50" charset="-127"/>
-                <a:ea typeface="나눔스퀘어 Bold" panose="020B0600000101010101" pitchFamily="50" charset="-127"/>
-              </a:rPr>
-              <a:t>API</a:t>
-            </a:r>
-            <a:r>
-              <a:rPr lang="ko-KR" altLang="en-US" dirty="0">
-                <a:solidFill>
-                  <a:schemeClr val="tx1">
-                    <a:lumMod val="50000"/>
-                    <a:lumOff val="50000"/>
-                  </a:schemeClr>
-                </a:solidFill>
-                <a:latin typeface="나눔스퀘어 Bold" panose="020B0600000101010101" pitchFamily="50" charset="-127"/>
-                <a:ea typeface="나눔스퀘어 Bold" panose="020B0600000101010101" pitchFamily="50" charset="-127"/>
-              </a:rPr>
-              <a:t>를 이용한 배송 정보 알림</a:t>
-            </a:r>
-            <a:endParaRPr lang="en-US" altLang="ko-KR" dirty="0">
-              <a:solidFill>
-                <a:schemeClr val="tx1">
-                  <a:lumMod val="50000"/>
-                  <a:lumOff val="50000"/>
-                </a:schemeClr>
-              </a:solidFill>
-              <a:latin typeface="나눔스퀘어 Bold" panose="020B0600000101010101" pitchFamily="50" charset="-127"/>
-              <a:ea typeface="나눔스퀘어 Bold" panose="020B0600000101010101" pitchFamily="50" charset="-127"/>
-            </a:endParaRPr>
-          </a:p>
-        </p:txBody>
-      </p:sp>
       <p:pic>
         <p:nvPicPr>
-          <p:cNvPr id="5" name="그림 4">
-            <a:extLst>
-              <a:ext uri="{FF2B5EF4-FFF2-40B4-BE49-F238E27FC236}">
-                <a16:creationId xmlns:a16="http://schemas.microsoft.com/office/drawing/2014/main" id="{53BE2822-DD5C-4E99-9B5A-39C7DBFE20AF}"/>
+          <p:cNvPr id="8" name="그림 7">
+            <a:extLst>
+              <a:ext uri="{FF2B5EF4-FFF2-40B4-BE49-F238E27FC236}">
+                <a16:creationId xmlns:a16="http://schemas.microsoft.com/office/drawing/2014/main" id="{0BF57BB1-3B3D-4685-9D01-F9CFC1FD5B32}"/>
               </a:ext>
             </a:extLst>
           </p:cNvPr>
@@ -32633,50 +32518,7 @@
         </p:blipFill>
         <p:spPr>
           <a:xfrm>
-            <a:off x="2668420" y="2632950"/>
-            <a:ext cx="770522" cy="770522"/>
-          </a:xfrm>
-          <a:prstGeom prst="rect">
-            <a:avLst/>
-          </a:prstGeom>
-        </p:spPr>
-      </p:pic>
-      <p:pic>
-        <p:nvPicPr>
-          <p:cNvPr id="8" name="그림 7">
-            <a:extLst>
-              <a:ext uri="{FF2B5EF4-FFF2-40B4-BE49-F238E27FC236}">
-                <a16:creationId xmlns:a16="http://schemas.microsoft.com/office/drawing/2014/main" id="{0BF57BB1-3B3D-4685-9D01-F9CFC1FD5B32}"/>
-              </a:ext>
-            </a:extLst>
-          </p:cNvPr>
-          <p:cNvPicPr>
-            <a:picLocks noChangeAspect="1"/>
-          </p:cNvPicPr>
-          <p:nvPr/>
-        </p:nvPicPr>
-        <p:blipFill>
-          <a:blip r:embed="rId4">
-            <a:duotone>
-              <a:schemeClr val="accent3">
-                <a:shade val="45000"/>
-                <a:satMod val="135000"/>
-              </a:schemeClr>
-              <a:prstClr val="white"/>
-            </a:duotone>
-            <a:extLst>
-              <a:ext uri="{28A0092B-C50C-407E-A947-70E740481C1C}">
-                <a14:useLocalDpi xmlns:a14="http://schemas.microsoft.com/office/drawing/2010/main" val="0"/>
-              </a:ext>
-            </a:extLst>
-          </a:blip>
-          <a:stretch>
-            <a:fillRect/>
-          </a:stretch>
-        </p:blipFill>
-        <p:spPr>
-          <a:xfrm>
-            <a:off x="1874488" y="3642249"/>
+            <a:off x="1901121" y="2940860"/>
             <a:ext cx="2097211" cy="1310757"/>
           </a:xfrm>
           <a:prstGeom prst="rect">
@@ -43551,7 +43393,7 @@
           <a:graphicData uri="http://schemas.openxmlformats.org/presentationml/2006/ole">
             <mc:AlternateContent xmlns:mc="http://schemas.openxmlformats.org/markup-compatibility/2006">
               <mc:Choice xmlns:v="urn:schemas-microsoft-com:vml" Requires="v">
-                <p:oleObj spid="_x0000_s1102" name="Image" r:id="rId5" imgW="2844360" imgH="1764720" progId="Photoshop.Image.12">
+                <p:oleObj spid="_x0000_s1103" name="Image" r:id="rId5" imgW="2844360" imgH="1764720" progId="Photoshop.Image.12">
                   <p:embed/>
                 </p:oleObj>
               </mc:Choice>
